--- a/labs_bd/test.pptx
+++ b/labs_bd/test.pptx
@@ -3081,12 +3081,6 @@
 <file path=ppt/slides/slide1.xml><?xml version="1.0" encoding="utf-8"?>
 <p:sld xmlns:a="http://schemas.openxmlformats.org/drawingml/2006/main" xmlns:p="http://schemas.openxmlformats.org/presentationml/2006/main" xmlns:r="http://schemas.openxmlformats.org/officeDocument/2006/relationships">
   <p:cSld>
-    <p:bg>
-      <p:bgPr>
-        <a:noFill/>
-        <a:effectLst/>
-      </p:bgPr>
-    </p:bg>
     <p:spTree>
       <p:nvGrpSpPr>
         <p:cNvPr id="1" name=""/>
@@ -3131,14 +3125,20 @@
           <a:lstStyle/>
           <a:p>
             <a:r>
-              <a:t>Программист: 20%</a:t>
-            </a:r>
-          </a:p>
-          <a:p>
-            <a:r>
-              <a:t>Сантехник: 100%</a:t>
-            </a:r>
-          </a:p>
+              <a:t>Итоги теста:</a:t>
+            </a:r>
+          </a:p>
+          <a:p>
+            <a:r>
+              <a:t>Программист: 80%</a:t>
+            </a:r>
+          </a:p>
+          <a:p>
+            <a:r>
+              <a:t>Строитель: 20%</a:t>
+            </a:r>
+          </a:p>
+          <a:p/>
         </p:txBody>
       </p:sp>
     </p:spTree>
